--- a/Project_Space_Debris/vortrag/20221219_Philipp.pptx
+++ b/Project_Space_Debris/vortrag/20221219_Philipp.pptx
@@ -5,10 +5,16 @@
     <p:sldMasterId id="2147483648" r:id="rId1"/>
   </p:sldMasterIdLst>
   <p:notesMasterIdLst>
-    <p:notesMasterId r:id="rId3"/>
+    <p:notesMasterId r:id="rId9"/>
   </p:notesMasterIdLst>
   <p:sldIdLst>
     <p:sldId id="280" r:id="rId2"/>
+    <p:sldId id="281" r:id="rId3"/>
+    <p:sldId id="282" r:id="rId4"/>
+    <p:sldId id="283" r:id="rId5"/>
+    <p:sldId id="284" r:id="rId6"/>
+    <p:sldId id="285" r:id="rId7"/>
+    <p:sldId id="286" r:id="rId8"/>
   </p:sldIdLst>
   <p:sldSz cx="9144000" cy="6858000" type="screen4x3"/>
   <p:notesSz cx="6858000" cy="9144000"/>
@@ -1545,7 +1551,7 @@
               <a:pPr>
                 <a:defRPr/>
               </a:pPr>
-              <a:t>‹#›</a:t>
+              <a:t>‹Nr.›</a:t>
             </a:fld>
             <a:endParaRPr lang="de-DE" altLang="en-US"/>
           </a:p>
@@ -1890,7 +1896,7 @@
               <a:pPr>
                 <a:defRPr/>
               </a:pPr>
-              <a:t>‹#›</a:t>
+              <a:t>‹Nr.›</a:t>
             </a:fld>
             <a:endParaRPr lang="de-DE" altLang="en-US"/>
           </a:p>
@@ -2102,7 +2108,7 @@
               <a:pPr>
                 <a:defRPr/>
               </a:pPr>
-              <a:t>‹#›</a:t>
+              <a:t>‹Nr.›</a:t>
             </a:fld>
             <a:endParaRPr lang="de-DE" altLang="en-US"/>
           </a:p>
@@ -2324,7 +2330,7 @@
               <a:pPr>
                 <a:defRPr/>
               </a:pPr>
-              <a:t>‹#›</a:t>
+              <a:t>‹Nr.›</a:t>
             </a:fld>
             <a:endParaRPr lang="de-DE" altLang="en-US"/>
           </a:p>
@@ -2536,7 +2542,7 @@
               <a:pPr>
                 <a:defRPr/>
               </a:pPr>
-              <a:t>‹#›</a:t>
+              <a:t>‹Nr.›</a:t>
             </a:fld>
             <a:endParaRPr lang="de-DE" altLang="en-US"/>
           </a:p>
@@ -2771,7 +2777,7 @@
               <a:pPr>
                 <a:defRPr/>
               </a:pPr>
-              <a:t>‹#›</a:t>
+              <a:t>‹Nr.›</a:t>
             </a:fld>
             <a:endParaRPr lang="de-DE" altLang="en-US"/>
           </a:p>
@@ -3100,7 +3106,7 @@
               <a:pPr>
                 <a:defRPr/>
               </a:pPr>
-              <a:t>‹#›</a:t>
+              <a:t>‹Nr.›</a:t>
             </a:fld>
             <a:endParaRPr lang="de-DE" altLang="en-US"/>
           </a:p>
@@ -3568,7 +3574,7 @@
               <a:pPr>
                 <a:defRPr/>
               </a:pPr>
-              <a:t>‹#›</a:t>
+              <a:t>‹Nr.›</a:t>
             </a:fld>
             <a:endParaRPr lang="de-DE" altLang="en-US"/>
           </a:p>
@@ -3729,7 +3735,7 @@
               <a:pPr>
                 <a:defRPr/>
               </a:pPr>
-              <a:t>‹#›</a:t>
+              <a:t>‹Nr.›</a:t>
             </a:fld>
             <a:endParaRPr lang="de-DE" altLang="en-US"/>
           </a:p>
@@ -3868,7 +3874,7 @@
               <a:pPr>
                 <a:defRPr/>
               </a:pPr>
-              <a:t>‹#›</a:t>
+              <a:t>‹Nr.›</a:t>
             </a:fld>
             <a:endParaRPr lang="de-DE" altLang="en-US"/>
           </a:p>
@@ -4187,7 +4193,7 @@
               <a:pPr>
                 <a:defRPr/>
               </a:pPr>
-              <a:t>‹#›</a:t>
+              <a:t>‹Nr.›</a:t>
             </a:fld>
             <a:endParaRPr lang="de-DE" altLang="en-US"/>
           </a:p>
@@ -4484,7 +4490,7 @@
               <a:pPr>
                 <a:defRPr/>
               </a:pPr>
-              <a:t>‹#›</a:t>
+              <a:t>‹Nr.›</a:t>
             </a:fld>
             <a:endParaRPr lang="de-DE" altLang="en-US"/>
           </a:p>
@@ -4858,7 +4864,7 @@
               <a:pPr>
                 <a:defRPr/>
               </a:pPr>
-              <a:t>‹#›</a:t>
+              <a:t>‹Nr.›</a:t>
             </a:fld>
             <a:endParaRPr lang="de-DE" altLang="en-US"/>
           </a:p>
@@ -6090,6 +6096,1561 @@
         </p:txBody>
       </p:sp>
     </p:spTree>
+  </p:cSld>
+  <p:clrMapOvr>
+    <a:masterClrMapping/>
+  </p:clrMapOvr>
+</p:sld>
+</file>
+
+<file path=ppt/slides/slide2.xml><?xml version="1.0" encoding="utf-8"?>
+<p:sld xmlns:a="http://schemas.openxmlformats.org/drawingml/2006/main" xmlns:r="http://schemas.openxmlformats.org/officeDocument/2006/relationships" xmlns:p="http://schemas.openxmlformats.org/presentationml/2006/main">
+  <p:cSld>
+    <p:spTree>
+      <p:nvGrpSpPr>
+        <p:cNvPr id="1" name=""/>
+        <p:cNvGrpSpPr/>
+        <p:nvPr/>
+      </p:nvGrpSpPr>
+      <p:grpSpPr>
+        <a:xfrm>
+          <a:off x="0" y="0"/>
+          <a:ext cx="0" cy="0"/>
+          <a:chOff x="0" y="0"/>
+          <a:chExt cx="0" cy="0"/>
+        </a:xfrm>
+      </p:grpSpPr>
+      <p:sp>
+        <p:nvSpPr>
+          <p:cNvPr id="2" name="Titel 1">
+            <a:extLst>
+              <a:ext uri="{FF2B5EF4-FFF2-40B4-BE49-F238E27FC236}">
+                <a16:creationId xmlns:a16="http://schemas.microsoft.com/office/drawing/2014/main" id="{15AFFCB7-E6BB-4C28-BE69-9BE9FFE0CF2B}"/>
+              </a:ext>
+            </a:extLst>
+          </p:cNvPr>
+          <p:cNvSpPr>
+            <a:spLocks noGrp="1"/>
+          </p:cNvSpPr>
+          <p:nvPr>
+            <p:ph type="title"/>
+          </p:nvPr>
+        </p:nvSpPr>
+        <p:spPr/>
+        <p:txBody>
+          <a:bodyPr/>
+          <a:lstStyle/>
+          <a:p>
+            <a:r>
+              <a:rPr lang="de-DE" dirty="0"/>
+              <a:t>Space-</a:t>
+            </a:r>
+            <a:r>
+              <a:rPr lang="de-DE" dirty="0" err="1"/>
+              <a:t>based</a:t>
+            </a:r>
+            <a:r>
+              <a:rPr lang="de-DE" dirty="0"/>
+              <a:t> </a:t>
+            </a:r>
+            <a:r>
+              <a:rPr lang="de-DE" dirty="0" err="1"/>
+              <a:t>robot</a:t>
+            </a:r>
+            <a:r>
+              <a:rPr lang="de-DE" dirty="0"/>
+              <a:t> (2015)</a:t>
+            </a:r>
+          </a:p>
+        </p:txBody>
+      </p:sp>
+      <p:sp>
+        <p:nvSpPr>
+          <p:cNvPr id="3" name="Inhaltsplatzhalter 2">
+            <a:extLst>
+              <a:ext uri="{FF2B5EF4-FFF2-40B4-BE49-F238E27FC236}">
+                <a16:creationId xmlns:a16="http://schemas.microsoft.com/office/drawing/2014/main" id="{309F2FAB-5749-93B6-A776-C095114FCD1F}"/>
+              </a:ext>
+            </a:extLst>
+          </p:cNvPr>
+          <p:cNvSpPr>
+            <a:spLocks noGrp="1"/>
+          </p:cNvSpPr>
+          <p:nvPr>
+            <p:ph idx="1"/>
+          </p:nvPr>
+        </p:nvSpPr>
+        <p:spPr/>
+        <p:txBody>
+          <a:bodyPr/>
+          <a:lstStyle/>
+          <a:p>
+            <a:r>
+              <a:rPr lang="de-DE" dirty="0"/>
+              <a:t>Konzept: Halb-automatischer Satellit (SASTROBOT) mit etwa 20 de-</a:t>
+            </a:r>
+            <a:r>
+              <a:rPr lang="de-DE" dirty="0" err="1"/>
+              <a:t>orbiting</a:t>
+            </a:r>
+            <a:r>
+              <a:rPr lang="de-DE" dirty="0"/>
+              <a:t> Raketen</a:t>
+            </a:r>
+          </a:p>
+          <a:p>
+            <a:r>
+              <a:rPr lang="de-DE" dirty="0"/>
+              <a:t>Vorgehen: </a:t>
+            </a:r>
+          </a:p>
+          <a:p>
+            <a:pPr lvl="1"/>
+            <a:r>
+              <a:rPr lang="de-DE" sz="2200" dirty="0"/>
+              <a:t>sucht tote Satelliten und nähert sich, </a:t>
+            </a:r>
+          </a:p>
+          <a:p>
+            <a:pPr lvl="1"/>
+            <a:r>
+              <a:rPr lang="de-DE" sz="2200" dirty="0"/>
+              <a:t>wählt passende Rakete aus, </a:t>
+            </a:r>
+          </a:p>
+          <a:p>
+            <a:pPr lvl="1"/>
+            <a:r>
+              <a:rPr lang="de-DE" sz="2200" dirty="0"/>
+              <a:t>nimmt sie mit </a:t>
+            </a:r>
+            <a:r>
+              <a:rPr lang="de-DE" sz="2200" dirty="0" err="1"/>
+              <a:t>grappling</a:t>
+            </a:r>
+            <a:r>
+              <a:rPr lang="de-DE" sz="2200" dirty="0"/>
+              <a:t> arm auf, </a:t>
+            </a:r>
+          </a:p>
+          <a:p>
+            <a:pPr lvl="1"/>
+            <a:r>
+              <a:rPr lang="de-DE" sz="2200" dirty="0"/>
+              <a:t>mit dem </a:t>
+            </a:r>
+            <a:r>
+              <a:rPr lang="de-DE" sz="2200" dirty="0" err="1"/>
+              <a:t>welding</a:t>
+            </a:r>
+            <a:r>
+              <a:rPr lang="de-DE" sz="2200" dirty="0"/>
+              <a:t> arm wird sie an den Satelliten geschweißt, </a:t>
+            </a:r>
+          </a:p>
+          <a:p>
+            <a:pPr lvl="1"/>
+            <a:r>
+              <a:rPr lang="de-DE" sz="2200" dirty="0"/>
+              <a:t>de-</a:t>
+            </a:r>
+            <a:r>
+              <a:rPr lang="de-DE" sz="2200" dirty="0" err="1"/>
+              <a:t>orbiting</a:t>
+            </a:r>
+            <a:r>
+              <a:rPr lang="de-DE" sz="2200" dirty="0"/>
+              <a:t> Rakete wird vom Boden aus am Perigäum gefeuert, </a:t>
+            </a:r>
+          </a:p>
+          <a:p>
+            <a:pPr lvl="1"/>
+            <a:r>
+              <a:rPr lang="de-DE" sz="2200" dirty="0"/>
+              <a:t>SASTROBOT geht auf Suchorbit</a:t>
+            </a:r>
+          </a:p>
+        </p:txBody>
+      </p:sp>
+      <p:sp>
+        <p:nvSpPr>
+          <p:cNvPr id="4" name="Foliennummernplatzhalter 3">
+            <a:extLst>
+              <a:ext uri="{FF2B5EF4-FFF2-40B4-BE49-F238E27FC236}">
+                <a16:creationId xmlns:a16="http://schemas.microsoft.com/office/drawing/2014/main" id="{9889E5B9-0141-CEF5-0D60-BD5E883C7ACF}"/>
+              </a:ext>
+            </a:extLst>
+          </p:cNvPr>
+          <p:cNvSpPr>
+            <a:spLocks noGrp="1"/>
+          </p:cNvSpPr>
+          <p:nvPr>
+            <p:ph type="sldNum" sz="quarter" idx="12"/>
+          </p:nvPr>
+        </p:nvSpPr>
+        <p:spPr/>
+        <p:txBody>
+          <a:bodyPr/>
+          <a:lstStyle/>
+          <a:p>
+            <a:pPr>
+              <a:defRPr/>
+            </a:pPr>
+            <a:fld id="{A26A0649-E50C-4844-BD05-C05B747519B9}" type="slidenum">
+              <a:rPr lang="de-DE" altLang="en-US" smtClean="0"/>
+              <a:pPr>
+                <a:defRPr/>
+              </a:pPr>
+              <a:t>2</a:t>
+            </a:fld>
+            <a:endParaRPr lang="de-DE" altLang="en-US"/>
+          </a:p>
+        </p:txBody>
+      </p:sp>
+    </p:spTree>
+    <p:extLst>
+      <p:ext uri="{BB962C8B-B14F-4D97-AF65-F5344CB8AC3E}">
+        <p14:creationId xmlns:p14="http://schemas.microsoft.com/office/powerpoint/2010/main" val="2798335386"/>
+      </p:ext>
+    </p:extLst>
+  </p:cSld>
+  <p:clrMapOvr>
+    <a:masterClrMapping/>
+  </p:clrMapOvr>
+</p:sld>
+</file>
+
+<file path=ppt/slides/slide3.xml><?xml version="1.0" encoding="utf-8"?>
+<p:sld xmlns:a="http://schemas.openxmlformats.org/drawingml/2006/main" xmlns:r="http://schemas.openxmlformats.org/officeDocument/2006/relationships" xmlns:p="http://schemas.openxmlformats.org/presentationml/2006/main">
+  <p:cSld>
+    <p:spTree>
+      <p:nvGrpSpPr>
+        <p:cNvPr id="1" name=""/>
+        <p:cNvGrpSpPr/>
+        <p:nvPr/>
+      </p:nvGrpSpPr>
+      <p:grpSpPr>
+        <a:xfrm>
+          <a:off x="0" y="0"/>
+          <a:ext cx="0" cy="0"/>
+          <a:chOff x="0" y="0"/>
+          <a:chExt cx="0" cy="0"/>
+        </a:xfrm>
+      </p:grpSpPr>
+      <p:sp>
+        <p:nvSpPr>
+          <p:cNvPr id="2" name="Titel 1">
+            <a:extLst>
+              <a:ext uri="{FF2B5EF4-FFF2-40B4-BE49-F238E27FC236}">
+                <a16:creationId xmlns:a16="http://schemas.microsoft.com/office/drawing/2014/main" id="{3C2D5685-1D75-01DF-D7AC-BC7E5D670272}"/>
+              </a:ext>
+            </a:extLst>
+          </p:cNvPr>
+          <p:cNvSpPr>
+            <a:spLocks noGrp="1"/>
+          </p:cNvSpPr>
+          <p:nvPr>
+            <p:ph type="title"/>
+          </p:nvPr>
+        </p:nvSpPr>
+        <p:spPr/>
+        <p:txBody>
+          <a:bodyPr/>
+          <a:lstStyle/>
+          <a:p>
+            <a:r>
+              <a:rPr lang="de-DE" dirty="0"/>
+              <a:t>Space-</a:t>
+            </a:r>
+            <a:r>
+              <a:rPr lang="de-DE" dirty="0" err="1"/>
+              <a:t>based</a:t>
+            </a:r>
+            <a:r>
+              <a:rPr lang="de-DE" dirty="0"/>
+              <a:t> </a:t>
+            </a:r>
+            <a:r>
+              <a:rPr lang="de-DE" dirty="0" err="1"/>
+              <a:t>robot</a:t>
+            </a:r>
+            <a:r>
+              <a:rPr lang="de-DE" dirty="0"/>
+              <a:t> (2015)</a:t>
+            </a:r>
+          </a:p>
+        </p:txBody>
+      </p:sp>
+      <p:sp>
+        <p:nvSpPr>
+          <p:cNvPr id="3" name="Inhaltsplatzhalter 2">
+            <a:extLst>
+              <a:ext uri="{FF2B5EF4-FFF2-40B4-BE49-F238E27FC236}">
+                <a16:creationId xmlns:a16="http://schemas.microsoft.com/office/drawing/2014/main" id="{560459B0-9E8F-75F1-203E-0EB1D7FEE770}"/>
+              </a:ext>
+            </a:extLst>
+          </p:cNvPr>
+          <p:cNvSpPr>
+            <a:spLocks noGrp="1"/>
+          </p:cNvSpPr>
+          <p:nvPr>
+            <p:ph idx="1"/>
+          </p:nvPr>
+        </p:nvSpPr>
+        <p:spPr/>
+        <p:txBody>
+          <a:bodyPr/>
+          <a:lstStyle/>
+          <a:p>
+            <a:pPr>
+              <a:spcBef>
+                <a:spcPts val="0"/>
+              </a:spcBef>
+            </a:pPr>
+            <a:r>
+              <a:rPr lang="de-DE" dirty="0"/>
+              <a:t>Für mittlere bis</a:t>
+            </a:r>
+          </a:p>
+          <a:p>
+            <a:pPr marL="0" indent="0">
+              <a:spcBef>
+                <a:spcPts val="0"/>
+              </a:spcBef>
+              <a:buNone/>
+            </a:pPr>
+            <a:r>
+              <a:rPr lang="de-DE" dirty="0"/>
+              <a:t>große Teile</a:t>
+            </a:r>
+          </a:p>
+          <a:p>
+            <a:r>
+              <a:rPr lang="de-DE" dirty="0"/>
+              <a:t>SASTROBOT könnte</a:t>
+            </a:r>
+          </a:p>
+          <a:p>
+            <a:pPr marL="0" indent="0">
+              <a:spcBef>
+                <a:spcPts val="0"/>
+              </a:spcBef>
+              <a:buNone/>
+            </a:pPr>
+            <a:r>
+              <a:rPr lang="de-DE" dirty="0"/>
+              <a:t>zur Erde zurück gebracht</a:t>
+            </a:r>
+          </a:p>
+          <a:p>
+            <a:pPr marL="0" indent="0">
+              <a:spcBef>
+                <a:spcPts val="0"/>
+              </a:spcBef>
+              <a:buNone/>
+            </a:pPr>
+            <a:r>
+              <a:rPr lang="de-DE" dirty="0"/>
+              <a:t>werden</a:t>
+            </a:r>
+          </a:p>
+          <a:p>
+            <a:r>
+              <a:rPr lang="de-DE" dirty="0"/>
+              <a:t>Keine konkreten</a:t>
+            </a:r>
+          </a:p>
+          <a:p>
+            <a:pPr marL="0" indent="0">
+              <a:spcBef>
+                <a:spcPts val="0"/>
+              </a:spcBef>
+              <a:buNone/>
+            </a:pPr>
+            <a:r>
+              <a:rPr lang="de-DE" dirty="0"/>
+              <a:t>Planungen zur Umsetzung</a:t>
+            </a:r>
+          </a:p>
+          <a:p>
+            <a:pPr marL="0" indent="0">
+              <a:spcBef>
+                <a:spcPts val="0"/>
+              </a:spcBef>
+              <a:buNone/>
+            </a:pPr>
+            <a:r>
+              <a:rPr lang="de-DE" dirty="0"/>
+              <a:t>bekannt</a:t>
+            </a:r>
+          </a:p>
+          <a:p>
+            <a:pPr marL="0" indent="0">
+              <a:spcAft>
+                <a:spcPts val="1200"/>
+              </a:spcAft>
+              <a:buNone/>
+            </a:pPr>
+            <a:endParaRPr lang="de-DE" dirty="0"/>
+          </a:p>
+          <a:p>
+            <a:pPr marL="0" indent="0">
+              <a:buNone/>
+            </a:pPr>
+            <a:endParaRPr lang="de-DE" dirty="0"/>
+          </a:p>
+          <a:p>
+            <a:r>
+              <a:rPr lang="de-DE" sz="1800" dirty="0"/>
+              <a:t>Quelle: </a:t>
+            </a:r>
+            <a:r>
+              <a:rPr lang="en-US" sz="1800" dirty="0"/>
+              <a:t>Dash, Pramod. (2015). An Approach For Space Debris Clearing Using Space Based Robots. IJERM. </a:t>
+            </a:r>
+            <a:endParaRPr lang="de-DE" sz="1800" dirty="0"/>
+          </a:p>
+        </p:txBody>
+      </p:sp>
+      <p:sp>
+        <p:nvSpPr>
+          <p:cNvPr id="4" name="Foliennummernplatzhalter 3">
+            <a:extLst>
+              <a:ext uri="{FF2B5EF4-FFF2-40B4-BE49-F238E27FC236}">
+                <a16:creationId xmlns:a16="http://schemas.microsoft.com/office/drawing/2014/main" id="{43CEF7C4-2CF6-D8C6-94DE-40917558DACE}"/>
+              </a:ext>
+            </a:extLst>
+          </p:cNvPr>
+          <p:cNvSpPr>
+            <a:spLocks noGrp="1"/>
+          </p:cNvSpPr>
+          <p:nvPr>
+            <p:ph type="sldNum" sz="quarter" idx="12"/>
+          </p:nvPr>
+        </p:nvSpPr>
+        <p:spPr/>
+        <p:txBody>
+          <a:bodyPr/>
+          <a:lstStyle/>
+          <a:p>
+            <a:pPr>
+              <a:defRPr/>
+            </a:pPr>
+            <a:fld id="{A26A0649-E50C-4844-BD05-C05B747519B9}" type="slidenum">
+              <a:rPr lang="de-DE" altLang="en-US" smtClean="0"/>
+              <a:pPr>
+                <a:defRPr/>
+              </a:pPr>
+              <a:t>3</a:t>
+            </a:fld>
+            <a:endParaRPr lang="de-DE" altLang="en-US"/>
+          </a:p>
+        </p:txBody>
+      </p:sp>
+      <p:pic>
+        <p:nvPicPr>
+          <p:cNvPr id="10" name="Grafik 9">
+            <a:extLst>
+              <a:ext uri="{FF2B5EF4-FFF2-40B4-BE49-F238E27FC236}">
+                <a16:creationId xmlns:a16="http://schemas.microsoft.com/office/drawing/2014/main" id="{7610082D-FFCF-2737-1F12-7062770E84AD}"/>
+              </a:ext>
+            </a:extLst>
+          </p:cNvPr>
+          <p:cNvPicPr>
+            <a:picLocks noChangeAspect="1"/>
+          </p:cNvPicPr>
+          <p:nvPr/>
+        </p:nvPicPr>
+        <p:blipFill>
+          <a:blip r:embed="rId2">
+            <a:extLst>
+              <a:ext uri="{28A0092B-C50C-407E-A947-70E740481C1C}">
+                <a14:useLocalDpi xmlns:a14="http://schemas.microsoft.com/office/drawing/2010/main" val="0"/>
+              </a:ext>
+            </a:extLst>
+          </a:blip>
+          <a:stretch>
+            <a:fillRect/>
+          </a:stretch>
+        </p:blipFill>
+        <p:spPr>
+          <a:xfrm>
+            <a:off x="4716016" y="1200522"/>
+            <a:ext cx="4197566" cy="4203916"/>
+          </a:xfrm>
+          <a:prstGeom prst="rect">
+            <a:avLst/>
+          </a:prstGeom>
+        </p:spPr>
+      </p:pic>
+    </p:spTree>
+    <p:extLst>
+      <p:ext uri="{BB962C8B-B14F-4D97-AF65-F5344CB8AC3E}">
+        <p14:creationId xmlns:p14="http://schemas.microsoft.com/office/powerpoint/2010/main" val="3539183689"/>
+      </p:ext>
+    </p:extLst>
+  </p:cSld>
+  <p:clrMapOvr>
+    <a:masterClrMapping/>
+  </p:clrMapOvr>
+</p:sld>
+</file>
+
+<file path=ppt/slides/slide4.xml><?xml version="1.0" encoding="utf-8"?>
+<p:sld xmlns:a="http://schemas.openxmlformats.org/drawingml/2006/main" xmlns:r="http://schemas.openxmlformats.org/officeDocument/2006/relationships" xmlns:p="http://schemas.openxmlformats.org/presentationml/2006/main">
+  <p:cSld>
+    <p:spTree>
+      <p:nvGrpSpPr>
+        <p:cNvPr id="1" name=""/>
+        <p:cNvGrpSpPr/>
+        <p:nvPr/>
+      </p:nvGrpSpPr>
+      <p:grpSpPr>
+        <a:xfrm>
+          <a:off x="0" y="0"/>
+          <a:ext cx="0" cy="0"/>
+          <a:chOff x="0" y="0"/>
+          <a:chExt cx="0" cy="0"/>
+        </a:xfrm>
+      </p:grpSpPr>
+      <p:sp>
+        <p:nvSpPr>
+          <p:cNvPr id="2" name="Titel 1">
+            <a:extLst>
+              <a:ext uri="{FF2B5EF4-FFF2-40B4-BE49-F238E27FC236}">
+                <a16:creationId xmlns:a16="http://schemas.microsoft.com/office/drawing/2014/main" id="{BC7EA43C-3ECF-AB0E-DA01-3C8B3833790A}"/>
+              </a:ext>
+            </a:extLst>
+          </p:cNvPr>
+          <p:cNvSpPr>
+            <a:spLocks noGrp="1"/>
+          </p:cNvSpPr>
+          <p:nvPr>
+            <p:ph type="title"/>
+          </p:nvPr>
+        </p:nvSpPr>
+        <p:spPr/>
+        <p:txBody>
+          <a:bodyPr/>
+          <a:lstStyle/>
+          <a:p>
+            <a:r>
+              <a:rPr lang="de-DE" dirty="0"/>
+              <a:t>Die Cleanspace-1 Mission (2021)</a:t>
+            </a:r>
+          </a:p>
+        </p:txBody>
+      </p:sp>
+      <p:sp>
+        <p:nvSpPr>
+          <p:cNvPr id="3" name="Inhaltsplatzhalter 2">
+            <a:extLst>
+              <a:ext uri="{FF2B5EF4-FFF2-40B4-BE49-F238E27FC236}">
+                <a16:creationId xmlns:a16="http://schemas.microsoft.com/office/drawing/2014/main" id="{93E94A87-4AC2-7039-A0EB-0D452DA540F9}"/>
+              </a:ext>
+            </a:extLst>
+          </p:cNvPr>
+          <p:cNvSpPr>
+            <a:spLocks noGrp="1"/>
+          </p:cNvSpPr>
+          <p:nvPr>
+            <p:ph idx="1"/>
+          </p:nvPr>
+        </p:nvSpPr>
+        <p:spPr>
+          <a:xfrm>
+            <a:off x="685800" y="1219200"/>
+            <a:ext cx="4894312" cy="4648200"/>
+          </a:xfrm>
+        </p:spPr>
+        <p:txBody>
+          <a:bodyPr/>
+          <a:lstStyle/>
+          <a:p>
+            <a:r>
+              <a:rPr lang="de-DE" dirty="0"/>
+              <a:t>Die erste Raumschrott-</a:t>
+            </a:r>
+            <a:r>
+              <a:rPr lang="de-DE" dirty="0" err="1"/>
+              <a:t>Beseitigungs</a:t>
+            </a:r>
+            <a:r>
+              <a:rPr lang="de-DE" dirty="0"/>
+              <a:t> Mission</a:t>
+            </a:r>
+          </a:p>
+          <a:p>
+            <a:r>
+              <a:rPr lang="de-DE" dirty="0"/>
+              <a:t>Durchgeführt von ESA und Wirtschaft</a:t>
+            </a:r>
+          </a:p>
+          <a:p>
+            <a:r>
+              <a:rPr lang="de-DE" dirty="0"/>
+              <a:t>Ein Satelliten-Träger (Masse 112 kg) soll eingefangen werden</a:t>
+            </a:r>
+          </a:p>
+          <a:p>
+            <a:r>
+              <a:rPr lang="de-DE" dirty="0"/>
+              <a:t>Aktuell in </a:t>
+            </a:r>
+            <a:r>
+              <a:rPr lang="de-DE" dirty="0" err="1"/>
+              <a:t>preliminary</a:t>
+            </a:r>
+            <a:r>
+              <a:rPr lang="de-DE" dirty="0"/>
+              <a:t> </a:t>
+            </a:r>
+            <a:r>
+              <a:rPr lang="de-DE" dirty="0" err="1"/>
+              <a:t>requirements</a:t>
+            </a:r>
+            <a:r>
+              <a:rPr lang="de-DE" dirty="0"/>
+              <a:t> </a:t>
+            </a:r>
+            <a:r>
+              <a:rPr lang="de-DE" dirty="0" err="1"/>
+              <a:t>phase</a:t>
+            </a:r>
+            <a:r>
+              <a:rPr lang="de-DE" dirty="0"/>
+              <a:t>, Start für Mitte 2025 geplant</a:t>
+            </a:r>
+          </a:p>
+        </p:txBody>
+      </p:sp>
+      <p:sp>
+        <p:nvSpPr>
+          <p:cNvPr id="4" name="Foliennummernplatzhalter 3">
+            <a:extLst>
+              <a:ext uri="{FF2B5EF4-FFF2-40B4-BE49-F238E27FC236}">
+                <a16:creationId xmlns:a16="http://schemas.microsoft.com/office/drawing/2014/main" id="{D06DC193-D5EF-79CC-AD71-6496387E8644}"/>
+              </a:ext>
+            </a:extLst>
+          </p:cNvPr>
+          <p:cNvSpPr>
+            <a:spLocks noGrp="1"/>
+          </p:cNvSpPr>
+          <p:nvPr>
+            <p:ph type="sldNum" sz="quarter" idx="12"/>
+          </p:nvPr>
+        </p:nvSpPr>
+        <p:spPr/>
+        <p:txBody>
+          <a:bodyPr/>
+          <a:lstStyle/>
+          <a:p>
+            <a:pPr>
+              <a:defRPr/>
+            </a:pPr>
+            <a:fld id="{A26A0649-E50C-4844-BD05-C05B747519B9}" type="slidenum">
+              <a:rPr lang="de-DE" altLang="en-US" smtClean="0"/>
+              <a:pPr>
+                <a:defRPr/>
+              </a:pPr>
+              <a:t>4</a:t>
+            </a:fld>
+            <a:endParaRPr lang="de-DE" altLang="en-US"/>
+          </a:p>
+        </p:txBody>
+      </p:sp>
+      <p:pic>
+        <p:nvPicPr>
+          <p:cNvPr id="8" name="Grafik 7" descr="Ein Bild, das drinnen enthält.&#10;&#10;Automatisch generierte Beschreibung">
+            <a:extLst>
+              <a:ext uri="{FF2B5EF4-FFF2-40B4-BE49-F238E27FC236}">
+                <a16:creationId xmlns:a16="http://schemas.microsoft.com/office/drawing/2014/main" id="{4442E0B6-2B21-6597-5AFB-043C574DE0BA}"/>
+              </a:ext>
+            </a:extLst>
+          </p:cNvPr>
+          <p:cNvPicPr>
+            <a:picLocks noChangeAspect="1"/>
+          </p:cNvPicPr>
+          <p:nvPr/>
+        </p:nvPicPr>
+        <p:blipFill>
+          <a:blip r:embed="rId2">
+            <a:extLst>
+              <a:ext uri="{28A0092B-C50C-407E-A947-70E740481C1C}">
+                <a14:useLocalDpi xmlns:a14="http://schemas.microsoft.com/office/drawing/2010/main" val="0"/>
+              </a:ext>
+            </a:extLst>
+          </a:blip>
+          <a:stretch>
+            <a:fillRect/>
+          </a:stretch>
+        </p:blipFill>
+        <p:spPr>
+          <a:xfrm>
+            <a:off x="5580112" y="1096888"/>
+            <a:ext cx="3022104" cy="4289439"/>
+          </a:xfrm>
+          <a:prstGeom prst="rect">
+            <a:avLst/>
+          </a:prstGeom>
+        </p:spPr>
+      </p:pic>
+      <p:sp>
+        <p:nvSpPr>
+          <p:cNvPr id="9" name="Textfeld 8">
+            <a:extLst>
+              <a:ext uri="{FF2B5EF4-FFF2-40B4-BE49-F238E27FC236}">
+                <a16:creationId xmlns:a16="http://schemas.microsoft.com/office/drawing/2014/main" id="{078408A4-C51E-6BB4-AB74-829A47EE4C93}"/>
+              </a:ext>
+            </a:extLst>
+          </p:cNvPr>
+          <p:cNvSpPr txBox="1"/>
+          <p:nvPr/>
+        </p:nvSpPr>
+        <p:spPr>
+          <a:xfrm flipH="1">
+            <a:off x="5940152" y="5448031"/>
+            <a:ext cx="3698697" cy="369332"/>
+          </a:xfrm>
+          <a:prstGeom prst="rect">
+            <a:avLst/>
+          </a:prstGeom>
+          <a:noFill/>
+        </p:spPr>
+        <p:txBody>
+          <a:bodyPr wrap="square" rtlCol="0">
+            <a:spAutoFit/>
+          </a:bodyPr>
+          <a:lstStyle/>
+          <a:p>
+            <a:r>
+              <a:rPr lang="de-DE" sz="1800" dirty="0"/>
+              <a:t>Ziel der Mission: VESPA</a:t>
+            </a:r>
+          </a:p>
+        </p:txBody>
+      </p:sp>
+    </p:spTree>
+    <p:extLst>
+      <p:ext uri="{BB962C8B-B14F-4D97-AF65-F5344CB8AC3E}">
+        <p14:creationId xmlns:p14="http://schemas.microsoft.com/office/powerpoint/2010/main" val="3196250254"/>
+      </p:ext>
+    </p:extLst>
+  </p:cSld>
+  <p:clrMapOvr>
+    <a:masterClrMapping/>
+  </p:clrMapOvr>
+</p:sld>
+</file>
+
+<file path=ppt/slides/slide5.xml><?xml version="1.0" encoding="utf-8"?>
+<p:sld xmlns:a="http://schemas.openxmlformats.org/drawingml/2006/main" xmlns:r="http://schemas.openxmlformats.org/officeDocument/2006/relationships" xmlns:p="http://schemas.openxmlformats.org/presentationml/2006/main">
+  <p:cSld>
+    <p:spTree>
+      <p:nvGrpSpPr>
+        <p:cNvPr id="1" name=""/>
+        <p:cNvGrpSpPr/>
+        <p:nvPr/>
+      </p:nvGrpSpPr>
+      <p:grpSpPr>
+        <a:xfrm>
+          <a:off x="0" y="0"/>
+          <a:ext cx="0" cy="0"/>
+          <a:chOff x="0" y="0"/>
+          <a:chExt cx="0" cy="0"/>
+        </a:xfrm>
+      </p:grpSpPr>
+      <p:sp>
+        <p:nvSpPr>
+          <p:cNvPr id="2" name="Titel 1">
+            <a:extLst>
+              <a:ext uri="{FF2B5EF4-FFF2-40B4-BE49-F238E27FC236}">
+                <a16:creationId xmlns:a16="http://schemas.microsoft.com/office/drawing/2014/main" id="{1448397A-0FA2-E0AA-C869-CC7FD4DB78AA}"/>
+              </a:ext>
+            </a:extLst>
+          </p:cNvPr>
+          <p:cNvSpPr>
+            <a:spLocks noGrp="1"/>
+          </p:cNvSpPr>
+          <p:nvPr>
+            <p:ph type="title"/>
+          </p:nvPr>
+        </p:nvSpPr>
+        <p:spPr/>
+        <p:txBody>
+          <a:bodyPr/>
+          <a:lstStyle/>
+          <a:p>
+            <a:r>
+              <a:rPr lang="de-DE" dirty="0"/>
+              <a:t>Die Cleanspace-1 Mission (2021)</a:t>
+            </a:r>
+          </a:p>
+        </p:txBody>
+      </p:sp>
+      <p:sp>
+        <p:nvSpPr>
+          <p:cNvPr id="3" name="Inhaltsplatzhalter 2">
+            <a:extLst>
+              <a:ext uri="{FF2B5EF4-FFF2-40B4-BE49-F238E27FC236}">
+                <a16:creationId xmlns:a16="http://schemas.microsoft.com/office/drawing/2014/main" id="{1D17A597-1658-852E-798E-3107E2ACAAB5}"/>
+              </a:ext>
+            </a:extLst>
+          </p:cNvPr>
+          <p:cNvSpPr>
+            <a:spLocks noGrp="1"/>
+          </p:cNvSpPr>
+          <p:nvPr>
+            <p:ph idx="1"/>
+          </p:nvPr>
+        </p:nvSpPr>
+        <p:spPr>
+          <a:xfrm>
+            <a:off x="685800" y="1219200"/>
+            <a:ext cx="4750296" cy="4648200"/>
+          </a:xfrm>
+        </p:spPr>
+        <p:txBody>
+          <a:bodyPr/>
+          <a:lstStyle/>
+          <a:p>
+            <a:r>
+              <a:rPr lang="de-DE" dirty="0"/>
+              <a:t>Vorgehen: </a:t>
+            </a:r>
+            <a:r>
+              <a:rPr lang="de-DE" dirty="0" err="1"/>
+              <a:t>Servicer</a:t>
+            </a:r>
+            <a:r>
+              <a:rPr lang="de-DE" dirty="0"/>
+              <a:t> hat Kameras, Radar, </a:t>
+            </a:r>
+            <a:r>
+              <a:rPr lang="de-DE" dirty="0" err="1"/>
+              <a:t>u.A.</a:t>
+            </a:r>
+            <a:r>
+              <a:rPr lang="de-DE" dirty="0"/>
+              <a:t> an Bord, visuelle Navigation</a:t>
+            </a:r>
+          </a:p>
+          <a:p>
+            <a:r>
+              <a:rPr lang="de-DE" dirty="0"/>
+              <a:t>Start in Parkorbit, sucht Ziel, gleicht Orbits an, performt </a:t>
+            </a:r>
+            <a:r>
+              <a:rPr lang="de-DE" dirty="0" err="1"/>
+              <a:t>rendezvous</a:t>
+            </a:r>
+            <a:r>
+              <a:rPr lang="de-DE" dirty="0"/>
+              <a:t>, dann Einfangen</a:t>
+            </a:r>
+          </a:p>
+          <a:p>
+            <a:r>
+              <a:rPr lang="de-DE" dirty="0"/>
+              <a:t>4 Tentakel umfassen das Teil und sichern es</a:t>
+            </a:r>
+          </a:p>
+          <a:p>
+            <a:r>
+              <a:rPr lang="de-DE" dirty="0"/>
+              <a:t>Danach wird de-</a:t>
+            </a:r>
+            <a:r>
+              <a:rPr lang="de-DE" dirty="0" err="1"/>
+              <a:t>orbiting</a:t>
+            </a:r>
+            <a:r>
+              <a:rPr lang="de-DE" dirty="0"/>
+              <a:t> durchgeführt</a:t>
+            </a:r>
+          </a:p>
+          <a:p>
+            <a:pPr marL="0" indent="0">
+              <a:buNone/>
+            </a:pPr>
+            <a:endParaRPr lang="de-DE" dirty="0"/>
+          </a:p>
+          <a:p>
+            <a:r>
+              <a:rPr lang="de-DE" sz="1800" dirty="0"/>
+              <a:t>Quelle: </a:t>
+            </a:r>
+            <a:r>
+              <a:rPr lang="de-DE" sz="1800" dirty="0">
+                <a:hlinkClick r:id="rId2"/>
+              </a:rPr>
+              <a:t>SDC8-paper320.pdf (esa.int)</a:t>
+            </a:r>
+            <a:endParaRPr lang="de-DE" sz="1800" dirty="0"/>
+          </a:p>
+        </p:txBody>
+      </p:sp>
+      <p:sp>
+        <p:nvSpPr>
+          <p:cNvPr id="4" name="Foliennummernplatzhalter 3">
+            <a:extLst>
+              <a:ext uri="{FF2B5EF4-FFF2-40B4-BE49-F238E27FC236}">
+                <a16:creationId xmlns:a16="http://schemas.microsoft.com/office/drawing/2014/main" id="{D48381D1-AB13-B504-4201-782F59F2CB01}"/>
+              </a:ext>
+            </a:extLst>
+          </p:cNvPr>
+          <p:cNvSpPr>
+            <a:spLocks noGrp="1"/>
+          </p:cNvSpPr>
+          <p:nvPr>
+            <p:ph type="sldNum" sz="quarter" idx="12"/>
+          </p:nvPr>
+        </p:nvSpPr>
+        <p:spPr/>
+        <p:txBody>
+          <a:bodyPr/>
+          <a:lstStyle/>
+          <a:p>
+            <a:pPr>
+              <a:defRPr/>
+            </a:pPr>
+            <a:fld id="{A26A0649-E50C-4844-BD05-C05B747519B9}" type="slidenum">
+              <a:rPr lang="de-DE" altLang="en-US" smtClean="0"/>
+              <a:pPr>
+                <a:defRPr/>
+              </a:pPr>
+              <a:t>5</a:t>
+            </a:fld>
+            <a:endParaRPr lang="de-DE" altLang="en-US"/>
+          </a:p>
+        </p:txBody>
+      </p:sp>
+      <p:pic>
+        <p:nvPicPr>
+          <p:cNvPr id="6" name="Grafik 5" descr="Ein Bild, das Text, Fenster enthält.&#10;&#10;Automatisch generierte Beschreibung">
+            <a:extLst>
+              <a:ext uri="{FF2B5EF4-FFF2-40B4-BE49-F238E27FC236}">
+                <a16:creationId xmlns:a16="http://schemas.microsoft.com/office/drawing/2014/main" id="{34CA9BA1-C77B-2638-C460-9F672253A5C4}"/>
+              </a:ext>
+            </a:extLst>
+          </p:cNvPr>
+          <p:cNvPicPr>
+            <a:picLocks noChangeAspect="1"/>
+          </p:cNvPicPr>
+          <p:nvPr/>
+        </p:nvPicPr>
+        <p:blipFill>
+          <a:blip r:embed="rId3">
+            <a:extLst>
+              <a:ext uri="{28A0092B-C50C-407E-A947-70E740481C1C}">
+                <a14:useLocalDpi xmlns:a14="http://schemas.microsoft.com/office/drawing/2010/main" val="0"/>
+              </a:ext>
+            </a:extLst>
+          </a:blip>
+          <a:stretch>
+            <a:fillRect/>
+          </a:stretch>
+        </p:blipFill>
+        <p:spPr>
+          <a:xfrm>
+            <a:off x="5436096" y="967358"/>
+            <a:ext cx="3225966" cy="4711942"/>
+          </a:xfrm>
+          <a:prstGeom prst="rect">
+            <a:avLst/>
+          </a:prstGeom>
+        </p:spPr>
+      </p:pic>
+      <p:sp>
+        <p:nvSpPr>
+          <p:cNvPr id="7" name="Textfeld 6">
+            <a:extLst>
+              <a:ext uri="{FF2B5EF4-FFF2-40B4-BE49-F238E27FC236}">
+                <a16:creationId xmlns:a16="http://schemas.microsoft.com/office/drawing/2014/main" id="{6C0525C2-11F6-1E21-97DA-234665F74006}"/>
+              </a:ext>
+            </a:extLst>
+          </p:cNvPr>
+          <p:cNvSpPr txBox="1"/>
+          <p:nvPr/>
+        </p:nvSpPr>
+        <p:spPr>
+          <a:xfrm>
+            <a:off x="5508104" y="5705171"/>
+            <a:ext cx="3343693" cy="646331"/>
+          </a:xfrm>
+          <a:prstGeom prst="rect">
+            <a:avLst/>
+          </a:prstGeom>
+          <a:noFill/>
+        </p:spPr>
+        <p:txBody>
+          <a:bodyPr wrap="square" rtlCol="0">
+            <a:spAutoFit/>
+          </a:bodyPr>
+          <a:lstStyle/>
+          <a:p>
+            <a:r>
+              <a:rPr lang="de-DE" sz="1800" dirty="0"/>
+              <a:t>Künstlerische Darstellung des Einfangens</a:t>
+            </a:r>
+          </a:p>
+        </p:txBody>
+      </p:sp>
+    </p:spTree>
+    <p:extLst>
+      <p:ext uri="{BB962C8B-B14F-4D97-AF65-F5344CB8AC3E}">
+        <p14:creationId xmlns:p14="http://schemas.microsoft.com/office/powerpoint/2010/main" val="260264877"/>
+      </p:ext>
+    </p:extLst>
+  </p:cSld>
+  <p:clrMapOvr>
+    <a:masterClrMapping/>
+  </p:clrMapOvr>
+</p:sld>
+</file>
+
+<file path=ppt/slides/slide6.xml><?xml version="1.0" encoding="utf-8"?>
+<p:sld xmlns:a="http://schemas.openxmlformats.org/drawingml/2006/main" xmlns:r="http://schemas.openxmlformats.org/officeDocument/2006/relationships" xmlns:p="http://schemas.openxmlformats.org/presentationml/2006/main">
+  <p:cSld>
+    <p:spTree>
+      <p:nvGrpSpPr>
+        <p:cNvPr id="1" name=""/>
+        <p:cNvGrpSpPr/>
+        <p:nvPr/>
+      </p:nvGrpSpPr>
+      <p:grpSpPr>
+        <a:xfrm>
+          <a:off x="0" y="0"/>
+          <a:ext cx="0" cy="0"/>
+          <a:chOff x="0" y="0"/>
+          <a:chExt cx="0" cy="0"/>
+        </a:xfrm>
+      </p:grpSpPr>
+      <p:sp>
+        <p:nvSpPr>
+          <p:cNvPr id="2" name="Titel 1">
+            <a:extLst>
+              <a:ext uri="{FF2B5EF4-FFF2-40B4-BE49-F238E27FC236}">
+                <a16:creationId xmlns:a16="http://schemas.microsoft.com/office/drawing/2014/main" id="{28B4C472-0A88-063E-7345-840F7A737260}"/>
+              </a:ext>
+            </a:extLst>
+          </p:cNvPr>
+          <p:cNvSpPr>
+            <a:spLocks noGrp="1"/>
+          </p:cNvSpPr>
+          <p:nvPr>
+            <p:ph type="title"/>
+          </p:nvPr>
+        </p:nvSpPr>
+        <p:spPr/>
+        <p:txBody>
+          <a:bodyPr/>
+          <a:lstStyle/>
+          <a:p>
+            <a:r>
+              <a:rPr lang="de-DE" dirty="0"/>
+              <a:t>Ground-</a:t>
+            </a:r>
+            <a:r>
+              <a:rPr lang="de-DE" dirty="0" err="1"/>
+              <a:t>based</a:t>
+            </a:r>
+            <a:r>
+              <a:rPr lang="de-DE" dirty="0"/>
+              <a:t> Laser (2012)</a:t>
+            </a:r>
+          </a:p>
+        </p:txBody>
+      </p:sp>
+      <p:sp>
+        <p:nvSpPr>
+          <p:cNvPr id="3" name="Inhaltsplatzhalter 2">
+            <a:extLst>
+              <a:ext uri="{FF2B5EF4-FFF2-40B4-BE49-F238E27FC236}">
+                <a16:creationId xmlns:a16="http://schemas.microsoft.com/office/drawing/2014/main" id="{B5EC1277-8D49-393D-C923-08F584CF24D5}"/>
+              </a:ext>
+            </a:extLst>
+          </p:cNvPr>
+          <p:cNvSpPr>
+            <a:spLocks noGrp="1"/>
+          </p:cNvSpPr>
+          <p:nvPr>
+            <p:ph idx="1"/>
+          </p:nvPr>
+        </p:nvSpPr>
+        <p:spPr>
+          <a:xfrm>
+            <a:off x="467544" y="1219200"/>
+            <a:ext cx="3799655" cy="3021807"/>
+          </a:xfrm>
+        </p:spPr>
+        <p:txBody>
+          <a:bodyPr/>
+          <a:lstStyle/>
+          <a:p>
+            <a:r>
+              <a:rPr lang="de-DE" dirty="0"/>
+              <a:t>Über einen Laser wird ein Impuls auf das Teil übertragen</a:t>
+            </a:r>
+          </a:p>
+          <a:p>
+            <a:r>
+              <a:rPr lang="de-DE" dirty="0"/>
+              <a:t>Fokussierter (mit einem Teleskop), gepulster (5ns Pulse, verlangsamt Teil um 10 cm/s) Laser</a:t>
+            </a:r>
+          </a:p>
+        </p:txBody>
+      </p:sp>
+      <p:sp>
+        <p:nvSpPr>
+          <p:cNvPr id="4" name="Foliennummernplatzhalter 3">
+            <a:extLst>
+              <a:ext uri="{FF2B5EF4-FFF2-40B4-BE49-F238E27FC236}">
+                <a16:creationId xmlns:a16="http://schemas.microsoft.com/office/drawing/2014/main" id="{CFD86B5D-C3DA-9CAA-3D39-CF55A28033B7}"/>
+              </a:ext>
+            </a:extLst>
+          </p:cNvPr>
+          <p:cNvSpPr>
+            <a:spLocks noGrp="1"/>
+          </p:cNvSpPr>
+          <p:nvPr>
+            <p:ph type="sldNum" sz="quarter" idx="12"/>
+          </p:nvPr>
+        </p:nvSpPr>
+        <p:spPr/>
+        <p:txBody>
+          <a:bodyPr/>
+          <a:lstStyle/>
+          <a:p>
+            <a:pPr>
+              <a:defRPr/>
+            </a:pPr>
+            <a:fld id="{A26A0649-E50C-4844-BD05-C05B747519B9}" type="slidenum">
+              <a:rPr lang="de-DE" altLang="en-US" smtClean="0"/>
+              <a:pPr>
+                <a:defRPr/>
+              </a:pPr>
+              <a:t>6</a:t>
+            </a:fld>
+            <a:endParaRPr lang="de-DE" altLang="en-US"/>
+          </a:p>
+        </p:txBody>
+      </p:sp>
+      <p:pic>
+        <p:nvPicPr>
+          <p:cNvPr id="6" name="Grafik 5" descr="Ein Bild, das Transport, Satellit enthält.&#10;&#10;Automatisch generierte Beschreibung">
+            <a:extLst>
+              <a:ext uri="{FF2B5EF4-FFF2-40B4-BE49-F238E27FC236}">
+                <a16:creationId xmlns:a16="http://schemas.microsoft.com/office/drawing/2014/main" id="{8F3DB34C-E509-6873-77AF-483E4516AB2F}"/>
+              </a:ext>
+            </a:extLst>
+          </p:cNvPr>
+          <p:cNvPicPr>
+            <a:picLocks noChangeAspect="1"/>
+          </p:cNvPicPr>
+          <p:nvPr/>
+        </p:nvPicPr>
+        <p:blipFill>
+          <a:blip r:embed="rId2">
+            <a:extLst>
+              <a:ext uri="{28A0092B-C50C-407E-A947-70E740481C1C}">
+                <a14:useLocalDpi xmlns:a14="http://schemas.microsoft.com/office/drawing/2010/main" val="0"/>
+              </a:ext>
+            </a:extLst>
+          </a:blip>
+          <a:stretch>
+            <a:fillRect/>
+          </a:stretch>
+        </p:blipFill>
+        <p:spPr>
+          <a:xfrm>
+            <a:off x="4199579" y="1191508"/>
+            <a:ext cx="4809434" cy="2938264"/>
+          </a:xfrm>
+          <a:prstGeom prst="rect">
+            <a:avLst/>
+          </a:prstGeom>
+        </p:spPr>
+      </p:pic>
+      <p:sp>
+        <p:nvSpPr>
+          <p:cNvPr id="7" name="Textfeld 6">
+            <a:extLst>
+              <a:ext uri="{FF2B5EF4-FFF2-40B4-BE49-F238E27FC236}">
+                <a16:creationId xmlns:a16="http://schemas.microsoft.com/office/drawing/2014/main" id="{FD971489-7768-04E9-1210-601D978BB942}"/>
+              </a:ext>
+            </a:extLst>
+          </p:cNvPr>
+          <p:cNvSpPr txBox="1"/>
+          <p:nvPr/>
+        </p:nvSpPr>
+        <p:spPr>
+          <a:xfrm flipH="1">
+            <a:off x="4088570" y="4157464"/>
+            <a:ext cx="5099073" cy="369332"/>
+          </a:xfrm>
+          <a:prstGeom prst="rect">
+            <a:avLst/>
+          </a:prstGeom>
+          <a:noFill/>
+        </p:spPr>
+        <p:txBody>
+          <a:bodyPr wrap="square" rtlCol="0">
+            <a:spAutoFit/>
+          </a:bodyPr>
+          <a:lstStyle/>
+          <a:p>
+            <a:r>
+              <a:rPr lang="de-DE" sz="1800" dirty="0"/>
+              <a:t>Künstlerische Darstellung eines </a:t>
+            </a:r>
+            <a:r>
+              <a:rPr lang="de-DE" sz="1800" dirty="0" err="1"/>
+              <a:t>ground-based</a:t>
+            </a:r>
+            <a:r>
+              <a:rPr lang="de-DE" sz="1800" dirty="0"/>
+              <a:t> </a:t>
+            </a:r>
+            <a:r>
+              <a:rPr lang="de-DE" sz="1800" dirty="0" err="1"/>
+              <a:t>lasers</a:t>
+            </a:r>
+            <a:endParaRPr lang="de-DE" sz="1800" dirty="0"/>
+          </a:p>
+        </p:txBody>
+      </p:sp>
+      <p:sp>
+        <p:nvSpPr>
+          <p:cNvPr id="9" name="Textfeld 8">
+            <a:extLst>
+              <a:ext uri="{FF2B5EF4-FFF2-40B4-BE49-F238E27FC236}">
+                <a16:creationId xmlns:a16="http://schemas.microsoft.com/office/drawing/2014/main" id="{74D6B0B5-35ED-88AE-D1B8-A5C1CDC57E59}"/>
+              </a:ext>
+            </a:extLst>
+          </p:cNvPr>
+          <p:cNvSpPr txBox="1"/>
+          <p:nvPr/>
+        </p:nvSpPr>
+        <p:spPr>
+          <a:xfrm>
+            <a:off x="451891" y="4602649"/>
+            <a:ext cx="7630616" cy="1946687"/>
+          </a:xfrm>
+          <a:prstGeom prst="rect">
+            <a:avLst/>
+          </a:prstGeom>
+          <a:noFill/>
+        </p:spPr>
+        <p:txBody>
+          <a:bodyPr wrap="square" rtlCol="0">
+            <a:spAutoFit/>
+          </a:bodyPr>
+          <a:lstStyle/>
+          <a:p>
+            <a:pPr marL="457200" indent="-457200">
+              <a:spcAft>
+                <a:spcPts val="500"/>
+              </a:spcAft>
+              <a:buFont typeface="Arial" panose="020B0604020202020204" pitchFamily="34" charset="0"/>
+              <a:buChar char="•"/>
+            </a:pPr>
+            <a:r>
+              <a:rPr lang="de-DE" sz="2400" dirty="0">
+                <a:latin typeface="Univers (Textkörper)"/>
+              </a:rPr>
+              <a:t>Teile bis 10cm können in einem Überflug so verlangsamt werden, dass sie abstürzen</a:t>
+            </a:r>
+          </a:p>
+          <a:p>
+            <a:pPr marL="457200" indent="-457200">
+              <a:spcAft>
+                <a:spcPts val="1000"/>
+              </a:spcAft>
+              <a:buFont typeface="Arial" panose="020B0604020202020204" pitchFamily="34" charset="0"/>
+              <a:buChar char="•"/>
+            </a:pPr>
+            <a:r>
+              <a:rPr lang="de-DE" sz="2400" dirty="0">
+                <a:latin typeface="Univers (Textkörper)"/>
+              </a:rPr>
+              <a:t>Keine Umsetzung bekannt</a:t>
+            </a:r>
+          </a:p>
+          <a:p>
+            <a:pPr marL="457200" indent="-457200">
+              <a:buFont typeface="Arial" panose="020B0604020202020204" pitchFamily="34" charset="0"/>
+              <a:buChar char="•"/>
+            </a:pPr>
+            <a:r>
+              <a:rPr lang="de-DE" sz="1800" dirty="0">
+                <a:latin typeface="Univers (Textkörper)"/>
+              </a:rPr>
+              <a:t>Quelle: </a:t>
+            </a:r>
+            <a:r>
+              <a:rPr lang="en-US" sz="1800" dirty="0">
+                <a:latin typeface="Univers (Textkörper)"/>
+              </a:rPr>
+              <a:t>Phipps, Claude. (2012). Clearing space debris with lasers. SPIE Newsroom.</a:t>
+            </a:r>
+            <a:endParaRPr lang="de-DE" sz="1800" dirty="0">
+              <a:latin typeface="Univers (Textkörper)"/>
+            </a:endParaRPr>
+          </a:p>
+        </p:txBody>
+      </p:sp>
+    </p:spTree>
+    <p:extLst>
+      <p:ext uri="{BB962C8B-B14F-4D97-AF65-F5344CB8AC3E}">
+        <p14:creationId xmlns:p14="http://schemas.microsoft.com/office/powerpoint/2010/main" val="515572122"/>
+      </p:ext>
+    </p:extLst>
+  </p:cSld>
+  <p:clrMapOvr>
+    <a:masterClrMapping/>
+  </p:clrMapOvr>
+</p:sld>
+</file>
+
+<file path=ppt/slides/slide7.xml><?xml version="1.0" encoding="utf-8"?>
+<p:sld xmlns:a="http://schemas.openxmlformats.org/drawingml/2006/main" xmlns:r="http://schemas.openxmlformats.org/officeDocument/2006/relationships" xmlns:p="http://schemas.openxmlformats.org/presentationml/2006/main">
+  <p:cSld>
+    <p:spTree>
+      <p:nvGrpSpPr>
+        <p:cNvPr id="1" name=""/>
+        <p:cNvGrpSpPr/>
+        <p:nvPr/>
+      </p:nvGrpSpPr>
+      <p:grpSpPr>
+        <a:xfrm>
+          <a:off x="0" y="0"/>
+          <a:ext cx="0" cy="0"/>
+          <a:chOff x="0" y="0"/>
+          <a:chExt cx="0" cy="0"/>
+        </a:xfrm>
+      </p:grpSpPr>
+      <p:sp>
+        <p:nvSpPr>
+          <p:cNvPr id="2" name="Titel 1">
+            <a:extLst>
+              <a:ext uri="{FF2B5EF4-FFF2-40B4-BE49-F238E27FC236}">
+                <a16:creationId xmlns:a16="http://schemas.microsoft.com/office/drawing/2014/main" id="{A4A14FA9-05F1-FAFE-0EC8-01CC73291A82}"/>
+              </a:ext>
+            </a:extLst>
+          </p:cNvPr>
+          <p:cNvSpPr>
+            <a:spLocks noGrp="1"/>
+          </p:cNvSpPr>
+          <p:nvPr>
+            <p:ph type="title"/>
+          </p:nvPr>
+        </p:nvSpPr>
+        <p:spPr/>
+        <p:txBody>
+          <a:bodyPr/>
+          <a:lstStyle/>
+          <a:p>
+            <a:r>
+              <a:rPr lang="de-DE" dirty="0"/>
+              <a:t>Review </a:t>
+            </a:r>
+            <a:r>
+              <a:rPr lang="de-DE" dirty="0" err="1"/>
+              <a:t>of</a:t>
+            </a:r>
+            <a:r>
+              <a:rPr lang="de-DE" dirty="0"/>
+              <a:t> </a:t>
+            </a:r>
+            <a:r>
+              <a:rPr lang="de-DE" dirty="0" err="1"/>
+              <a:t>Active</a:t>
+            </a:r>
+            <a:r>
+              <a:rPr lang="de-DE" dirty="0"/>
+              <a:t> SDR Methods (2018)</a:t>
+            </a:r>
+          </a:p>
+        </p:txBody>
+      </p:sp>
+      <p:sp>
+        <p:nvSpPr>
+          <p:cNvPr id="3" name="Inhaltsplatzhalter 2">
+            <a:extLst>
+              <a:ext uri="{FF2B5EF4-FFF2-40B4-BE49-F238E27FC236}">
+                <a16:creationId xmlns:a16="http://schemas.microsoft.com/office/drawing/2014/main" id="{AB802AE5-B19B-4B6C-0F73-CCE274623D35}"/>
+              </a:ext>
+            </a:extLst>
+          </p:cNvPr>
+          <p:cNvSpPr>
+            <a:spLocks noGrp="1"/>
+          </p:cNvSpPr>
+          <p:nvPr>
+            <p:ph idx="1"/>
+          </p:nvPr>
+        </p:nvSpPr>
+        <p:spPr/>
+        <p:txBody>
+          <a:bodyPr/>
+          <a:lstStyle/>
+          <a:p>
+            <a:r>
+              <a:rPr lang="de-DE" dirty="0"/>
+              <a:t>Übersicht über Literatur für verschiedene Konzepte</a:t>
+            </a:r>
+          </a:p>
+          <a:p>
+            <a:r>
+              <a:rPr lang="de-DE" sz="1800" dirty="0"/>
+              <a:t>Quelle: </a:t>
+            </a:r>
+            <a:r>
+              <a:rPr lang="en-US" sz="1800" dirty="0" err="1"/>
+              <a:t>Ledkov</a:t>
+            </a:r>
+            <a:r>
+              <a:rPr lang="en-US" sz="1800" dirty="0"/>
+              <a:t>, Alexander &amp; </a:t>
+            </a:r>
+            <a:r>
+              <a:rPr lang="en-US" sz="1800" dirty="0" err="1"/>
+              <a:t>Aslanov</a:t>
+            </a:r>
+            <a:r>
+              <a:rPr lang="en-US" sz="1800" dirty="0"/>
+              <a:t>, Vladimir. (2022). Review of contact and contactless active space debris removal approaches. Progress in Aerospace Sciences. 134.</a:t>
+            </a:r>
+            <a:endParaRPr lang="de-DE" sz="1800" dirty="0"/>
+          </a:p>
+        </p:txBody>
+      </p:sp>
+      <p:sp>
+        <p:nvSpPr>
+          <p:cNvPr id="4" name="Foliennummernplatzhalter 3">
+            <a:extLst>
+              <a:ext uri="{FF2B5EF4-FFF2-40B4-BE49-F238E27FC236}">
+                <a16:creationId xmlns:a16="http://schemas.microsoft.com/office/drawing/2014/main" id="{9CFA5D73-84E2-B12D-4614-0DE4E70D063E}"/>
+              </a:ext>
+            </a:extLst>
+          </p:cNvPr>
+          <p:cNvSpPr>
+            <a:spLocks noGrp="1"/>
+          </p:cNvSpPr>
+          <p:nvPr>
+            <p:ph type="sldNum" sz="quarter" idx="12"/>
+          </p:nvPr>
+        </p:nvSpPr>
+        <p:spPr/>
+        <p:txBody>
+          <a:bodyPr/>
+          <a:lstStyle/>
+          <a:p>
+            <a:pPr>
+              <a:defRPr/>
+            </a:pPr>
+            <a:fld id="{A26A0649-E50C-4844-BD05-C05B747519B9}" type="slidenum">
+              <a:rPr lang="de-DE" altLang="en-US" smtClean="0"/>
+              <a:pPr>
+                <a:defRPr/>
+              </a:pPr>
+              <a:t>7</a:t>
+            </a:fld>
+            <a:endParaRPr lang="de-DE" altLang="en-US"/>
+          </a:p>
+        </p:txBody>
+      </p:sp>
+      <p:pic>
+        <p:nvPicPr>
+          <p:cNvPr id="6" name="Grafik 5">
+            <a:extLst>
+              <a:ext uri="{FF2B5EF4-FFF2-40B4-BE49-F238E27FC236}">
+                <a16:creationId xmlns:a16="http://schemas.microsoft.com/office/drawing/2014/main" id="{7A65A391-E85C-1D4F-7FBD-DEBDCA433536}"/>
+              </a:ext>
+            </a:extLst>
+          </p:cNvPr>
+          <p:cNvPicPr>
+            <a:picLocks noChangeAspect="1"/>
+          </p:cNvPicPr>
+          <p:nvPr/>
+        </p:nvPicPr>
+        <p:blipFill>
+          <a:blip r:embed="rId2">
+            <a:extLst>
+              <a:ext uri="{28A0092B-C50C-407E-A947-70E740481C1C}">
+                <a14:useLocalDpi xmlns:a14="http://schemas.microsoft.com/office/drawing/2010/main" val="0"/>
+              </a:ext>
+            </a:extLst>
+          </a:blip>
+          <a:stretch>
+            <a:fillRect/>
+          </a:stretch>
+        </p:blipFill>
+        <p:spPr>
+          <a:xfrm>
+            <a:off x="2085846" y="3123178"/>
+            <a:ext cx="5439813" cy="2744222"/>
+          </a:xfrm>
+          <a:prstGeom prst="rect">
+            <a:avLst/>
+          </a:prstGeom>
+        </p:spPr>
+      </p:pic>
+      <p:sp>
+        <p:nvSpPr>
+          <p:cNvPr id="7" name="Textfeld 6">
+            <a:extLst>
+              <a:ext uri="{FF2B5EF4-FFF2-40B4-BE49-F238E27FC236}">
+                <a16:creationId xmlns:a16="http://schemas.microsoft.com/office/drawing/2014/main" id="{216B6119-65BD-1BB9-24D2-B8B099D7F74B}"/>
+              </a:ext>
+            </a:extLst>
+          </p:cNvPr>
+          <p:cNvSpPr txBox="1"/>
+          <p:nvPr/>
+        </p:nvSpPr>
+        <p:spPr>
+          <a:xfrm flipH="1">
+            <a:off x="1498501" y="6019239"/>
+            <a:ext cx="6948264" cy="369332"/>
+          </a:xfrm>
+          <a:prstGeom prst="rect">
+            <a:avLst/>
+          </a:prstGeom>
+          <a:noFill/>
+        </p:spPr>
+        <p:txBody>
+          <a:bodyPr wrap="square" rtlCol="0">
+            <a:spAutoFit/>
+          </a:bodyPr>
+          <a:lstStyle/>
+          <a:p>
+            <a:r>
+              <a:rPr lang="de-DE" sz="1800" dirty="0">
+                <a:latin typeface="Univers (Textkörper)"/>
+              </a:rPr>
+              <a:t>Übersicht über Aktive Raumschrott-</a:t>
+            </a:r>
+            <a:r>
+              <a:rPr lang="de-DE" sz="1800" dirty="0" err="1">
+                <a:latin typeface="Univers (Textkörper)"/>
+              </a:rPr>
+              <a:t>Beseitigungs</a:t>
+            </a:r>
+            <a:r>
+              <a:rPr lang="de-DE" sz="1800" dirty="0">
+                <a:latin typeface="Univers (Textkörper)"/>
+              </a:rPr>
+              <a:t> Methoden</a:t>
+            </a:r>
+          </a:p>
+        </p:txBody>
+      </p:sp>
+    </p:spTree>
+    <p:extLst>
+      <p:ext uri="{BB962C8B-B14F-4D97-AF65-F5344CB8AC3E}">
+        <p14:creationId xmlns:p14="http://schemas.microsoft.com/office/powerpoint/2010/main" val="3305431474"/>
+      </p:ext>
+    </p:extLst>
   </p:cSld>
   <p:clrMapOvr>
     <a:masterClrMapping/>
